--- a/AreaIcons/Presentation1.pptx
+++ b/AreaIcons/Presentation1.pptx
@@ -3012,7 +3012,7 @@
         </p:nvSpPr>
         <p:spPr>
           <a:xfrm>
-            <a:off x="1506828" y="2575775"/>
+            <a:off x="1471659" y="2570751"/>
             <a:ext cx="137160" cy="137160"/>
           </a:xfrm>
           <a:prstGeom prst="ellipse">
@@ -3043,7 +3043,7 @@
             <a:pPr algn="ctr"/>
             <a:r>
               <a:rPr lang="en-US" sz="500" dirty="0"/>
-              <a:t>B</a:t>
+              <a:t>V4</a:t>
             </a:r>
           </a:p>
         </p:txBody>
